--- a/수업자료/09_스코핑룰(변수유효범위).pptx
+++ b/수업자료/09_스코핑룰(변수유효범위).pptx
@@ -116,7 +116,7 @@
   </p:defaultTextStyle>
   <p:extLst>
     <p:ext uri="{EFAFB233-063F-42B5-8137-9DF3F51BA10A}">
-      <p15:sldGuideLst xmlns:p15="http://schemas.microsoft.com/office/powerpoint/2012/main" xmlns="">
+      <p15:sldGuideLst xmlns:p15="http://schemas.microsoft.com/office/powerpoint/2012/main">
         <p15:guide id="1" orient="horz" pos="2160">
           <p15:clr>
             <a:srgbClr val="A4A3A4"/>
@@ -216,7 +216,7 @@
             <a:fld id="{533164E2-541E-45D9-AF32-08622E33600A}" type="datetimeFigureOut">
               <a:rPr lang="ko-KR" altLang="en-US" smtClean="0"/>
               <a:pPr/>
-              <a:t>2018-09-19</a:t>
+              <a:t>2018-09-20</a:t>
             </a:fld>
             <a:endParaRPr lang="ko-KR" altLang="en-US"/>
           </a:p>
@@ -1263,7 +1263,7 @@
           <a:p>
             <a:fld id="{5B224BE5-D226-49F3-AB40-B9C377A86165}" type="datetime1">
               <a:rPr lang="ko-KR" altLang="en-US" smtClean="0"/>
-              <a:t>2018-09-19</a:t>
+              <a:t>2018-09-20</a:t>
             </a:fld>
             <a:endParaRPr lang="ko-KR" altLang="en-US"/>
           </a:p>
@@ -1429,7 +1429,7 @@
           <a:p>
             <a:fld id="{E531B096-71EC-4E39-87EC-87DE91DFDAD5}" type="datetime1">
               <a:rPr lang="ko-KR" altLang="en-US" smtClean="0"/>
-              <a:t>2018-09-19</a:t>
+              <a:t>2018-09-20</a:t>
             </a:fld>
             <a:endParaRPr lang="ko-KR" altLang="en-US"/>
           </a:p>
@@ -1605,7 +1605,7 @@
           <a:p>
             <a:fld id="{87998491-270F-4155-ABF1-CC9E2FA131CA}" type="datetime1">
               <a:rPr lang="ko-KR" altLang="en-US" smtClean="0"/>
-              <a:t>2018-09-19</a:t>
+              <a:t>2018-09-20</a:t>
             </a:fld>
             <a:endParaRPr lang="ko-KR" altLang="en-US"/>
           </a:p>
@@ -1696,7 +1696,7 @@
           <a:p>
             <a:fld id="{3A8D6124-CF2E-4D0B-929F-6E18AB953AD4}" type="datetime1">
               <a:rPr lang="ko-KR" altLang="en-US" smtClean="0"/>
-              <a:t>2018-09-19</a:t>
+              <a:t>2018-09-20</a:t>
             </a:fld>
             <a:endParaRPr lang="ko-KR" altLang="en-US"/>
           </a:p>
@@ -1938,7 +1938,7 @@
           <a:p>
             <a:fld id="{90CD4FF4-A25C-4B8C-BC7E-9158BC871168}" type="datetime1">
               <a:rPr lang="ko-KR" altLang="en-US" smtClean="0"/>
-              <a:t>2018-09-19</a:t>
+              <a:t>2018-09-20</a:t>
             </a:fld>
             <a:endParaRPr lang="ko-KR" altLang="en-US"/>
           </a:p>
@@ -2222,7 +2222,7 @@
           <a:p>
             <a:fld id="{F79FBE8D-B19F-4A94-B19B-26909D8E1969}" type="datetime1">
               <a:rPr lang="ko-KR" altLang="en-US" smtClean="0"/>
-              <a:t>2018-09-19</a:t>
+              <a:t>2018-09-20</a:t>
             </a:fld>
             <a:endParaRPr lang="ko-KR" altLang="en-US"/>
           </a:p>
@@ -2640,7 +2640,7 @@
           <a:p>
             <a:fld id="{413B4439-0DD4-4C39-A83D-F9B3BDA7DFA8}" type="datetime1">
               <a:rPr lang="ko-KR" altLang="en-US" smtClean="0"/>
-              <a:t>2018-09-19</a:t>
+              <a:t>2018-09-20</a:t>
             </a:fld>
             <a:endParaRPr lang="ko-KR" altLang="en-US"/>
           </a:p>
@@ -2754,7 +2754,7 @@
           <a:p>
             <a:fld id="{6BA39EF4-8235-4B33-8ED4-370B88BBE966}" type="datetime1">
               <a:rPr lang="ko-KR" altLang="en-US" smtClean="0"/>
-              <a:t>2018-09-19</a:t>
+              <a:t>2018-09-20</a:t>
             </a:fld>
             <a:endParaRPr lang="ko-KR" altLang="en-US"/>
           </a:p>
@@ -2845,7 +2845,7 @@
           <a:p>
             <a:fld id="{4AE8D239-193A-4AE8-ABF2-5BFD45FBF3B0}" type="datetime1">
               <a:rPr lang="ko-KR" altLang="en-US" smtClean="0"/>
-              <a:t>2018-09-19</a:t>
+              <a:t>2018-09-20</a:t>
             </a:fld>
             <a:endParaRPr lang="ko-KR" altLang="en-US"/>
           </a:p>
@@ -3118,7 +3118,7 @@
           <a:p>
             <a:fld id="{9FC46919-B9A5-422E-AC9E-830197846D7D}" type="datetime1">
               <a:rPr lang="ko-KR" altLang="en-US" smtClean="0"/>
-              <a:t>2018-09-19</a:t>
+              <a:t>2018-09-20</a:t>
             </a:fld>
             <a:endParaRPr lang="ko-KR" altLang="en-US"/>
           </a:p>
@@ -3367,7 +3367,7 @@
           <a:p>
             <a:fld id="{41DD7485-075A-440B-9AAE-969EB727F004}" type="datetime1">
               <a:rPr lang="ko-KR" altLang="en-US" smtClean="0"/>
-              <a:t>2018-09-19</a:t>
+              <a:t>2018-09-20</a:t>
             </a:fld>
             <a:endParaRPr lang="ko-KR" altLang="en-US"/>
           </a:p>
@@ -3576,7 +3576,7 @@
           <a:p>
             <a:fld id="{3895310E-B5AE-4952-A007-08EF1D8FAE3A}" type="datetime1">
               <a:rPr lang="ko-KR" altLang="en-US" smtClean="0"/>
-              <a:t>2018-09-19</a:t>
+              <a:t>2018-09-20</a:t>
             </a:fld>
             <a:endParaRPr lang="ko-KR" altLang="en-US"/>
           </a:p>
@@ -9371,7 +9371,7 @@
           <p:nvPr>
             <p:extLst>
               <p:ext uri="{D42A27DB-BD31-4B8C-83A1-F6EECF244321}">
-                <p14:modId xmlns:p14="http://schemas.microsoft.com/office/powerpoint/2010/main" val="3907834064"/>
+                <p14:modId xmlns:p14="http://schemas.microsoft.com/office/powerpoint/2010/main" val="3029819952"/>
               </p:ext>
             </p:extLst>
           </p:nvPr>
@@ -9439,28 +9439,12 @@
                         <a:defRPr/>
                       </a:pPr>
                       <a:r>
-                        <a:rPr lang="en-US" altLang="ko-KR" sz="1200" b="1" dirty="0" smtClean="0">
-                          <a:solidFill>
-                            <a:schemeClr val="tx1"/>
-                          </a:solidFill>
-                        </a:rPr>
-                        <a:t>“</a:t>
-                      </a:r>
-                      <a:r>
                         <a:rPr lang="ko-KR" altLang="en-US" sz="1200" b="1" dirty="0" smtClean="0">
                           <a:solidFill>
                             <a:schemeClr val="tx1"/>
                           </a:solidFill>
                         </a:rPr>
-                        <a:t>수업예제</a:t>
-                      </a:r>
-                      <a:r>
-                        <a:rPr lang="en-US" altLang="ko-KR" sz="1200" b="1" dirty="0" smtClean="0">
-                          <a:solidFill>
-                            <a:schemeClr val="tx1"/>
-                          </a:solidFill>
-                        </a:rPr>
-                        <a:t>”</a:t>
+                        <a:t>자바기초실습</a:t>
                       </a:r>
                       <a:endParaRPr lang="en-US" altLang="ko-KR" sz="1200" b="1" dirty="0" smtClean="0">
                         <a:solidFill>
@@ -9521,20 +9505,12 @@
                         <a:defRPr/>
                       </a:pPr>
                       <a:r>
-                        <a:rPr lang="en-US" altLang="ko-KR" sz="1200" b="1" dirty="0" smtClean="0">
-                          <a:solidFill>
-                            <a:schemeClr val="tx1"/>
-                          </a:solidFill>
-                        </a:rPr>
-                        <a:t>“</a:t>
-                      </a:r>
-                      <a:r>
                         <a:rPr lang="ko-KR" altLang="en-US" sz="1200" b="1" dirty="0" smtClean="0">
                           <a:solidFill>
                             <a:schemeClr val="tx1"/>
                           </a:solidFill>
                         </a:rPr>
-                        <a:t>변수유효범위</a:t>
+                        <a:t>제</a:t>
                       </a:r>
                       <a:r>
                         <a:rPr lang="en-US" altLang="ko-KR" sz="1200" b="1" dirty="0" smtClean="0">
@@ -9542,7 +9518,15 @@
                             <a:schemeClr val="tx1"/>
                           </a:solidFill>
                         </a:rPr>
-                        <a:t>1”</a:t>
+                        <a:t>05</a:t>
+                      </a:r>
+                      <a:r>
+                        <a:rPr lang="ko-KR" altLang="en-US" sz="1200" b="1" dirty="0" err="1" smtClean="0">
+                          <a:solidFill>
+                            <a:schemeClr val="tx1"/>
+                          </a:solidFill>
+                        </a:rPr>
+                        <a:t>차시</a:t>
                       </a:r>
                       <a:endParaRPr lang="en-US" altLang="ko-KR" sz="1200" b="1" dirty="0" smtClean="0">
                         <a:solidFill>
@@ -9908,15 +9892,7 @@
                   <a:schemeClr val="tx1"/>
                 </a:solidFill>
               </a:rPr>
-              <a:t>[</a:t>
-            </a:r>
-            <a:r>
-              <a:rPr lang="en-US" altLang="ko-KR" sz="1200" b="1" dirty="0" smtClean="0">
-                <a:solidFill>
-                  <a:schemeClr val="tx1"/>
-                </a:solidFill>
-              </a:rPr>
-              <a:t>Test1.java]</a:t>
+              <a:t>[Test1.java]</a:t>
             </a:r>
             <a:endParaRPr lang="ko-KR" altLang="en-US" sz="1200" b="1" dirty="0">
               <a:solidFill>
@@ -10941,15 +10917,7 @@
                   <a:schemeClr val="tx1"/>
                 </a:solidFill>
               </a:rPr>
-              <a:t>[</a:t>
-            </a:r>
-            <a:r>
-              <a:rPr lang="en-US" altLang="ko-KR" sz="1200" b="1" dirty="0" smtClean="0">
-                <a:solidFill>
-                  <a:schemeClr val="tx1"/>
-                </a:solidFill>
-              </a:rPr>
-              <a:t>Test2.java]</a:t>
+              <a:t>[Test2.java]</a:t>
             </a:r>
             <a:endParaRPr lang="ko-KR" altLang="en-US" sz="1200" b="1" dirty="0">
               <a:solidFill>
@@ -13272,7 +13240,7 @@
           <p:nvPr>
             <p:extLst>
               <p:ext uri="{D42A27DB-BD31-4B8C-83A1-F6EECF244321}">
-                <p14:modId xmlns:p14="http://schemas.microsoft.com/office/powerpoint/2010/main" val="2559488359"/>
+                <p14:modId xmlns:p14="http://schemas.microsoft.com/office/powerpoint/2010/main" val="2726170313"/>
               </p:ext>
             </p:extLst>
           </p:nvPr>
@@ -13340,28 +13308,12 @@
                         <a:defRPr/>
                       </a:pPr>
                       <a:r>
-                        <a:rPr lang="en-US" altLang="ko-KR" sz="1200" b="1" dirty="0" smtClean="0">
-                          <a:solidFill>
-                            <a:schemeClr val="tx1"/>
-                          </a:solidFill>
-                        </a:rPr>
-                        <a:t>“</a:t>
-                      </a:r>
-                      <a:r>
                         <a:rPr lang="ko-KR" altLang="en-US" sz="1200" b="1" dirty="0" smtClean="0">
                           <a:solidFill>
                             <a:schemeClr val="tx1"/>
                           </a:solidFill>
                         </a:rPr>
-                        <a:t>수업예제</a:t>
-                      </a:r>
-                      <a:r>
-                        <a:rPr lang="en-US" altLang="ko-KR" sz="1200" b="1" dirty="0" smtClean="0">
-                          <a:solidFill>
-                            <a:schemeClr val="tx1"/>
-                          </a:solidFill>
-                        </a:rPr>
-                        <a:t>”</a:t>
+                        <a:t>자바기초실습</a:t>
                       </a:r>
                       <a:endParaRPr lang="en-US" altLang="ko-KR" sz="1200" b="1" dirty="0" smtClean="0">
                         <a:solidFill>
@@ -13422,20 +13374,12 @@
                         <a:defRPr/>
                       </a:pPr>
                       <a:r>
-                        <a:rPr lang="en-US" altLang="ko-KR" sz="1200" b="1" dirty="0" smtClean="0">
-                          <a:solidFill>
-                            <a:schemeClr val="tx1"/>
-                          </a:solidFill>
-                        </a:rPr>
-                        <a:t>“</a:t>
-                      </a:r>
-                      <a:r>
                         <a:rPr lang="ko-KR" altLang="en-US" sz="1200" b="1" dirty="0" smtClean="0">
                           <a:solidFill>
                             <a:schemeClr val="tx1"/>
                           </a:solidFill>
                         </a:rPr>
-                        <a:t>변수유효범위</a:t>
+                        <a:t>제</a:t>
                       </a:r>
                       <a:r>
                         <a:rPr lang="en-US" altLang="ko-KR" sz="1200" b="1" dirty="0" smtClean="0">
@@ -13443,7 +13387,15 @@
                             <a:schemeClr val="tx1"/>
                           </a:solidFill>
                         </a:rPr>
-                        <a:t>2”</a:t>
+                        <a:t>06</a:t>
+                      </a:r>
+                      <a:r>
+                        <a:rPr lang="ko-KR" altLang="en-US" sz="1200" b="1" dirty="0" err="1" smtClean="0">
+                          <a:solidFill>
+                            <a:schemeClr val="tx1"/>
+                          </a:solidFill>
+                        </a:rPr>
+                        <a:t>차시</a:t>
                       </a:r>
                       <a:endParaRPr lang="en-US" altLang="ko-KR" sz="1200" b="1" dirty="0" smtClean="0">
                         <a:solidFill>
@@ -14302,15 +14254,7 @@
                   <a:schemeClr val="tx1"/>
                 </a:solidFill>
               </a:rPr>
-              <a:t>[</a:t>
-            </a:r>
-            <a:r>
-              <a:rPr lang="en-US" altLang="ko-KR" sz="1200" b="1" dirty="0" smtClean="0">
-                <a:solidFill>
-                  <a:schemeClr val="tx1"/>
-                </a:solidFill>
-              </a:rPr>
-              <a:t>Test1.java]</a:t>
+              <a:t>[Test1.java]</a:t>
             </a:r>
             <a:endParaRPr lang="ko-KR" altLang="en-US" sz="1200" b="1" dirty="0">
               <a:solidFill>
@@ -14824,15 +14768,7 @@
                   <a:schemeClr val="tx1"/>
                 </a:solidFill>
               </a:rPr>
-              <a:t>[</a:t>
-            </a:r>
-            <a:r>
-              <a:rPr lang="en-US" altLang="ko-KR" sz="1200" b="1" dirty="0" smtClean="0">
-                <a:solidFill>
-                  <a:schemeClr val="tx1"/>
-                </a:solidFill>
-              </a:rPr>
-              <a:t>Test2.java]</a:t>
+              <a:t>[Test2.java]</a:t>
             </a:r>
             <a:endParaRPr lang="ko-KR" altLang="en-US" sz="1200" b="1" dirty="0">
               <a:solidFill>
@@ -15412,12 +15348,6 @@
               </a:rPr>
               <a:t>}</a:t>
             </a:r>
-            <a:endParaRPr lang="en-US" altLang="ko-KR" sz="1200" dirty="0">
-              <a:solidFill>
-                <a:srgbClr val="000000"/>
-              </a:solidFill>
-              <a:latin typeface="Consolas"/>
-            </a:endParaRPr>
           </a:p>
         </p:txBody>
       </p:sp>

--- a/수업자료/09_스코핑룰(변수유효범위).pptx
+++ b/수업자료/09_스코핑룰(변수유효범위).pptx
@@ -116,7 +116,7 @@
   </p:defaultTextStyle>
   <p:extLst>
     <p:ext uri="{EFAFB233-063F-42B5-8137-9DF3F51BA10A}">
-      <p15:sldGuideLst xmlns:p15="http://schemas.microsoft.com/office/powerpoint/2012/main">
+      <p15:sldGuideLst xmlns="" xmlns:p15="http://schemas.microsoft.com/office/powerpoint/2012/main">
         <p15:guide id="1" orient="horz" pos="2160">
           <p15:clr>
             <a:srgbClr val="A4A3A4"/>
@@ -216,7 +216,7 @@
             <a:fld id="{533164E2-541E-45D9-AF32-08622E33600A}" type="datetimeFigureOut">
               <a:rPr lang="ko-KR" altLang="en-US" smtClean="0"/>
               <a:pPr/>
-              <a:t>2018-09-20</a:t>
+              <a:t>2018-10-16</a:t>
             </a:fld>
             <a:endParaRPr lang="ko-KR" altLang="en-US"/>
           </a:p>
@@ -1263,7 +1263,7 @@
           <a:p>
             <a:fld id="{5B224BE5-D226-49F3-AB40-B9C377A86165}" type="datetime1">
               <a:rPr lang="ko-KR" altLang="en-US" smtClean="0"/>
-              <a:t>2018-09-20</a:t>
+              <a:t>2018-10-16</a:t>
             </a:fld>
             <a:endParaRPr lang="ko-KR" altLang="en-US"/>
           </a:p>
@@ -1429,7 +1429,7 @@
           <a:p>
             <a:fld id="{E531B096-71EC-4E39-87EC-87DE91DFDAD5}" type="datetime1">
               <a:rPr lang="ko-KR" altLang="en-US" smtClean="0"/>
-              <a:t>2018-09-20</a:t>
+              <a:t>2018-10-16</a:t>
             </a:fld>
             <a:endParaRPr lang="ko-KR" altLang="en-US"/>
           </a:p>
@@ -1605,7 +1605,7 @@
           <a:p>
             <a:fld id="{87998491-270F-4155-ABF1-CC9E2FA131CA}" type="datetime1">
               <a:rPr lang="ko-KR" altLang="en-US" smtClean="0"/>
-              <a:t>2018-09-20</a:t>
+              <a:t>2018-10-16</a:t>
             </a:fld>
             <a:endParaRPr lang="ko-KR" altLang="en-US"/>
           </a:p>
@@ -1696,7 +1696,7 @@
           <a:p>
             <a:fld id="{3A8D6124-CF2E-4D0B-929F-6E18AB953AD4}" type="datetime1">
               <a:rPr lang="ko-KR" altLang="en-US" smtClean="0"/>
-              <a:t>2018-09-20</a:t>
+              <a:t>2018-10-16</a:t>
             </a:fld>
             <a:endParaRPr lang="ko-KR" altLang="en-US"/>
           </a:p>
@@ -1938,7 +1938,7 @@
           <a:p>
             <a:fld id="{90CD4FF4-A25C-4B8C-BC7E-9158BC871168}" type="datetime1">
               <a:rPr lang="ko-KR" altLang="en-US" smtClean="0"/>
-              <a:t>2018-09-20</a:t>
+              <a:t>2018-10-16</a:t>
             </a:fld>
             <a:endParaRPr lang="ko-KR" altLang="en-US"/>
           </a:p>
@@ -2222,7 +2222,7 @@
           <a:p>
             <a:fld id="{F79FBE8D-B19F-4A94-B19B-26909D8E1969}" type="datetime1">
               <a:rPr lang="ko-KR" altLang="en-US" smtClean="0"/>
-              <a:t>2018-09-20</a:t>
+              <a:t>2018-10-16</a:t>
             </a:fld>
             <a:endParaRPr lang="ko-KR" altLang="en-US"/>
           </a:p>
@@ -2640,7 +2640,7 @@
           <a:p>
             <a:fld id="{413B4439-0DD4-4C39-A83D-F9B3BDA7DFA8}" type="datetime1">
               <a:rPr lang="ko-KR" altLang="en-US" smtClean="0"/>
-              <a:t>2018-09-20</a:t>
+              <a:t>2018-10-16</a:t>
             </a:fld>
             <a:endParaRPr lang="ko-KR" altLang="en-US"/>
           </a:p>
@@ -2754,7 +2754,7 @@
           <a:p>
             <a:fld id="{6BA39EF4-8235-4B33-8ED4-370B88BBE966}" type="datetime1">
               <a:rPr lang="ko-KR" altLang="en-US" smtClean="0"/>
-              <a:t>2018-09-20</a:t>
+              <a:t>2018-10-16</a:t>
             </a:fld>
             <a:endParaRPr lang="ko-KR" altLang="en-US"/>
           </a:p>
@@ -2845,7 +2845,7 @@
           <a:p>
             <a:fld id="{4AE8D239-193A-4AE8-ABF2-5BFD45FBF3B0}" type="datetime1">
               <a:rPr lang="ko-KR" altLang="en-US" smtClean="0"/>
-              <a:t>2018-09-20</a:t>
+              <a:t>2018-10-16</a:t>
             </a:fld>
             <a:endParaRPr lang="ko-KR" altLang="en-US"/>
           </a:p>
@@ -3118,7 +3118,7 @@
           <a:p>
             <a:fld id="{9FC46919-B9A5-422E-AC9E-830197846D7D}" type="datetime1">
               <a:rPr lang="ko-KR" altLang="en-US" smtClean="0"/>
-              <a:t>2018-09-20</a:t>
+              <a:t>2018-10-16</a:t>
             </a:fld>
             <a:endParaRPr lang="ko-KR" altLang="en-US"/>
           </a:p>
@@ -3367,7 +3367,7 @@
           <a:p>
             <a:fld id="{41DD7485-075A-440B-9AAE-969EB727F004}" type="datetime1">
               <a:rPr lang="ko-KR" altLang="en-US" smtClean="0"/>
-              <a:t>2018-09-20</a:t>
+              <a:t>2018-10-16</a:t>
             </a:fld>
             <a:endParaRPr lang="ko-KR" altLang="en-US"/>
           </a:p>
@@ -3576,7 +3576,7 @@
           <a:p>
             <a:fld id="{3895310E-B5AE-4952-A007-08EF1D8FAE3A}" type="datetime1">
               <a:rPr lang="ko-KR" altLang="en-US" smtClean="0"/>
-              <a:t>2018-09-20</a:t>
+              <a:t>2018-10-16</a:t>
             </a:fld>
             <a:endParaRPr lang="ko-KR" altLang="en-US"/>
           </a:p>
@@ -6320,8 +6320,8 @@
         </p:nvSpPr>
         <p:spPr>
           <a:xfrm>
-            <a:off x="755014" y="260648"/>
-            <a:ext cx="7561402" cy="792088"/>
+            <a:off x="899030" y="332656"/>
+            <a:ext cx="7273370" cy="648072"/>
           </a:xfrm>
           <a:prstGeom prst="flowChartProcess">
             <a:avLst/>
@@ -6352,15 +6352,15 @@
               </a:lnSpc>
             </a:pPr>
             <a:r>
-              <a:rPr lang="ko-KR" altLang="en-US" b="1" dirty="0" smtClean="0">
-                <a:solidFill>
-                  <a:schemeClr val="tx1"/>
-                </a:solidFill>
-              </a:rPr>
-              <a:t>자바에서 변수는 </a:t>
-            </a:r>
-            <a:r>
-              <a:rPr lang="ko-KR" altLang="en-US" b="1" dirty="0" err="1" smtClean="0">
+              <a:rPr lang="ko-KR" altLang="en-US" sz="1600" b="1" dirty="0" smtClean="0">
+                <a:solidFill>
+                  <a:schemeClr val="tx1"/>
+                </a:solidFill>
+              </a:rPr>
+              <a:t>변수는 유효범위에 따라 </a:t>
+            </a:r>
+            <a:r>
+              <a:rPr lang="ko-KR" altLang="en-US" sz="1600" b="1" dirty="0" err="1" smtClean="0">
                 <a:solidFill>
                   <a:schemeClr val="tx1"/>
                 </a:solidFill>
@@ -6368,7 +6368,7 @@
               <a:t>인스턴스변수</a:t>
             </a:r>
             <a:r>
-              <a:rPr lang="en-US" altLang="ko-KR" b="1" dirty="0" smtClean="0">
+              <a:rPr lang="en-US" altLang="ko-KR" sz="1600" b="1" dirty="0" smtClean="0">
                 <a:solidFill>
                   <a:schemeClr val="tx1"/>
                 </a:solidFill>
@@ -6376,7 +6376,7 @@
               <a:t>, </a:t>
             </a:r>
             <a:r>
-              <a:rPr lang="ko-KR" altLang="en-US" b="1" dirty="0" smtClean="0">
+              <a:rPr lang="ko-KR" altLang="en-US" sz="1600" b="1" dirty="0" smtClean="0">
                 <a:solidFill>
                   <a:schemeClr val="tx1"/>
                 </a:solidFill>
@@ -6384,7 +6384,7 @@
               <a:t>클래스변수</a:t>
             </a:r>
             <a:r>
-              <a:rPr lang="en-US" altLang="ko-KR" b="1" dirty="0" smtClean="0">
+              <a:rPr lang="en-US" altLang="ko-KR" sz="1600" b="1" dirty="0" smtClean="0">
                 <a:solidFill>
                   <a:schemeClr val="tx1"/>
                 </a:solidFill>
@@ -6392,7 +6392,7 @@
               <a:t>, </a:t>
             </a:r>
             <a:r>
-              <a:rPr lang="ko-KR" altLang="en-US" b="1" dirty="0" smtClean="0">
+              <a:rPr lang="ko-KR" altLang="en-US" sz="1600" b="1" dirty="0" smtClean="0">
                 <a:solidFill>
                   <a:schemeClr val="tx1"/>
                 </a:solidFill>
@@ -6400,14 +6400,14 @@
               <a:t>지역변수로 나눌 수 있다</a:t>
             </a:r>
             <a:r>
-              <a:rPr lang="en-US" altLang="ko-KR" b="1" dirty="0" smtClean="0">
+              <a:rPr lang="en-US" altLang="ko-KR" sz="1600" b="1" dirty="0" smtClean="0">
                 <a:solidFill>
                   <a:schemeClr val="tx1"/>
                 </a:solidFill>
               </a:rPr>
               <a:t>.</a:t>
             </a:r>
-            <a:endParaRPr lang="ko-KR" altLang="en-US" b="1" dirty="0">
+            <a:endParaRPr lang="ko-KR" altLang="en-US" sz="1600" b="1" dirty="0">
               <a:solidFill>
                 <a:schemeClr val="tx1"/>
               </a:solidFill>
@@ -12310,7 +12310,7 @@
         <p:spPr>
           <a:xfrm>
             <a:off x="899592" y="2780930"/>
-            <a:ext cx="7344816" cy="1224134"/>
+            <a:ext cx="6264696" cy="1224134"/>
           </a:xfrm>
           <a:prstGeom prst="flowChartProcess">
             <a:avLst/>
@@ -12549,12 +12549,12 @@
               <a:t>객체의 모든 참조가 사라지면 </a:t>
             </a:r>
             <a:r>
-              <a:rPr lang="ko-KR" altLang="en-US" sz="1200" b="1" dirty="0" err="1">
+              <a:rPr lang="ko-KR" altLang="en-US" sz="1200" b="1" dirty="0" smtClean="0">
                 <a:solidFill>
                   <a:prstClr val="black"/>
                 </a:solidFill>
               </a:rPr>
-              <a:t>인스턴스</a:t>
+              <a:t>객</a:t>
             </a:r>
             <a:r>
               <a:rPr lang="ko-KR" altLang="en-US" sz="1200" b="1" dirty="0">
@@ -12562,7 +12562,23 @@
                   <a:prstClr val="black"/>
                 </a:solidFill>
               </a:rPr>
-              <a:t> 변수도 소멸된다</a:t>
+              <a:t>체</a:t>
+            </a:r>
+            <a:r>
+              <a:rPr lang="ko-KR" altLang="en-US" sz="1200" b="1" dirty="0" smtClean="0">
+                <a:solidFill>
+                  <a:prstClr val="black"/>
+                </a:solidFill>
+              </a:rPr>
+              <a:t>도 </a:t>
+            </a:r>
+            <a:r>
+              <a:rPr lang="ko-KR" altLang="en-US" sz="1200" b="1" dirty="0">
+                <a:solidFill>
+                  <a:prstClr val="black"/>
+                </a:solidFill>
+              </a:rPr>
+              <a:t>소멸된다</a:t>
             </a:r>
             <a:r>
               <a:rPr lang="en-US" altLang="ko-KR" sz="1200" b="1" dirty="0" smtClean="0">
@@ -12762,7 +12778,7 @@
         <p:spPr>
           <a:xfrm>
             <a:off x="899592" y="4797152"/>
-            <a:ext cx="7344816" cy="1296144"/>
+            <a:ext cx="6552728" cy="1296144"/>
           </a:xfrm>
           <a:prstGeom prst="flowChartProcess">
             <a:avLst/>

--- a/수업자료/09_스코핑룰(변수유효범위).pptx
+++ b/수업자료/09_스코핑룰(변수유효범위).pptx
@@ -116,7 +116,7 @@
   </p:defaultTextStyle>
   <p:extLst>
     <p:ext uri="{EFAFB233-063F-42B5-8137-9DF3F51BA10A}">
-      <p15:sldGuideLst xmlns="" xmlns:p15="http://schemas.microsoft.com/office/powerpoint/2012/main">
+      <p15:sldGuideLst xmlns:p15="http://schemas.microsoft.com/office/powerpoint/2012/main">
         <p15:guide id="1" orient="horz" pos="2160">
           <p15:clr>
             <a:srgbClr val="A4A3A4"/>
@@ -216,7 +216,7 @@
             <a:fld id="{533164E2-541E-45D9-AF32-08622E33600A}" type="datetimeFigureOut">
               <a:rPr lang="ko-KR" altLang="en-US" smtClean="0"/>
               <a:pPr/>
-              <a:t>2018-10-16</a:t>
+              <a:t>2018-11-29</a:t>
             </a:fld>
             <a:endParaRPr lang="ko-KR" altLang="en-US"/>
           </a:p>
@@ -1263,7 +1263,7 @@
           <a:p>
             <a:fld id="{5B224BE5-D226-49F3-AB40-B9C377A86165}" type="datetime1">
               <a:rPr lang="ko-KR" altLang="en-US" smtClean="0"/>
-              <a:t>2018-10-16</a:t>
+              <a:t>2018-11-29</a:t>
             </a:fld>
             <a:endParaRPr lang="ko-KR" altLang="en-US"/>
           </a:p>
@@ -1429,7 +1429,7 @@
           <a:p>
             <a:fld id="{E531B096-71EC-4E39-87EC-87DE91DFDAD5}" type="datetime1">
               <a:rPr lang="ko-KR" altLang="en-US" smtClean="0"/>
-              <a:t>2018-10-16</a:t>
+              <a:t>2018-11-29</a:t>
             </a:fld>
             <a:endParaRPr lang="ko-KR" altLang="en-US"/>
           </a:p>
@@ -1605,7 +1605,7 @@
           <a:p>
             <a:fld id="{87998491-270F-4155-ABF1-CC9E2FA131CA}" type="datetime1">
               <a:rPr lang="ko-KR" altLang="en-US" smtClean="0"/>
-              <a:t>2018-10-16</a:t>
+              <a:t>2018-11-29</a:t>
             </a:fld>
             <a:endParaRPr lang="ko-KR" altLang="en-US"/>
           </a:p>
@@ -1696,7 +1696,7 @@
           <a:p>
             <a:fld id="{3A8D6124-CF2E-4D0B-929F-6E18AB953AD4}" type="datetime1">
               <a:rPr lang="ko-KR" altLang="en-US" smtClean="0"/>
-              <a:t>2018-10-16</a:t>
+              <a:t>2018-11-29</a:t>
             </a:fld>
             <a:endParaRPr lang="ko-KR" altLang="en-US"/>
           </a:p>
@@ -1938,7 +1938,7 @@
           <a:p>
             <a:fld id="{90CD4FF4-A25C-4B8C-BC7E-9158BC871168}" type="datetime1">
               <a:rPr lang="ko-KR" altLang="en-US" smtClean="0"/>
-              <a:t>2018-10-16</a:t>
+              <a:t>2018-11-29</a:t>
             </a:fld>
             <a:endParaRPr lang="ko-KR" altLang="en-US"/>
           </a:p>
@@ -2222,7 +2222,7 @@
           <a:p>
             <a:fld id="{F79FBE8D-B19F-4A94-B19B-26909D8E1969}" type="datetime1">
               <a:rPr lang="ko-KR" altLang="en-US" smtClean="0"/>
-              <a:t>2018-10-16</a:t>
+              <a:t>2018-11-29</a:t>
             </a:fld>
             <a:endParaRPr lang="ko-KR" altLang="en-US"/>
           </a:p>
@@ -2640,7 +2640,7 @@
           <a:p>
             <a:fld id="{413B4439-0DD4-4C39-A83D-F9B3BDA7DFA8}" type="datetime1">
               <a:rPr lang="ko-KR" altLang="en-US" smtClean="0"/>
-              <a:t>2018-10-16</a:t>
+              <a:t>2018-11-29</a:t>
             </a:fld>
             <a:endParaRPr lang="ko-KR" altLang="en-US"/>
           </a:p>
@@ -2754,7 +2754,7 @@
           <a:p>
             <a:fld id="{6BA39EF4-8235-4B33-8ED4-370B88BBE966}" type="datetime1">
               <a:rPr lang="ko-KR" altLang="en-US" smtClean="0"/>
-              <a:t>2018-10-16</a:t>
+              <a:t>2018-11-29</a:t>
             </a:fld>
             <a:endParaRPr lang="ko-KR" altLang="en-US"/>
           </a:p>
@@ -2845,7 +2845,7 @@
           <a:p>
             <a:fld id="{4AE8D239-193A-4AE8-ABF2-5BFD45FBF3B0}" type="datetime1">
               <a:rPr lang="ko-KR" altLang="en-US" smtClean="0"/>
-              <a:t>2018-10-16</a:t>
+              <a:t>2018-11-29</a:t>
             </a:fld>
             <a:endParaRPr lang="ko-KR" altLang="en-US"/>
           </a:p>
@@ -3118,7 +3118,7 @@
           <a:p>
             <a:fld id="{9FC46919-B9A5-422E-AC9E-830197846D7D}" type="datetime1">
               <a:rPr lang="ko-KR" altLang="en-US" smtClean="0"/>
-              <a:t>2018-10-16</a:t>
+              <a:t>2018-11-29</a:t>
             </a:fld>
             <a:endParaRPr lang="ko-KR" altLang="en-US"/>
           </a:p>
@@ -3367,7 +3367,7 @@
           <a:p>
             <a:fld id="{41DD7485-075A-440B-9AAE-969EB727F004}" type="datetime1">
               <a:rPr lang="ko-KR" altLang="en-US" smtClean="0"/>
-              <a:t>2018-10-16</a:t>
+              <a:t>2018-11-29</a:t>
             </a:fld>
             <a:endParaRPr lang="ko-KR" altLang="en-US"/>
           </a:p>
@@ -3576,7 +3576,7 @@
           <a:p>
             <a:fld id="{3895310E-B5AE-4952-A007-08EF1D8FAE3A}" type="datetime1">
               <a:rPr lang="ko-KR" altLang="en-US" smtClean="0"/>
-              <a:t>2018-10-16</a:t>
+              <a:t>2018-11-29</a:t>
             </a:fld>
             <a:endParaRPr lang="ko-KR" altLang="en-US"/>
           </a:p>
@@ -6764,6 +6764,14 @@
                 <a:spcPts val="2500"/>
               </a:lnSpc>
             </a:pPr>
+            <a:r>
+              <a:rPr lang="ko-KR" altLang="en-US" b="1" dirty="0" smtClean="0">
+                <a:solidFill>
+                  <a:schemeClr val="tx1"/>
+                </a:solidFill>
+              </a:rPr>
+              <a:t>매개변수</a:t>
+            </a:r>
             <a:endParaRPr lang="en-US" altLang="ko-KR" b="1" dirty="0" smtClean="0">
               <a:solidFill>
                 <a:schemeClr val="tx1"/>
@@ -6777,12 +6785,12 @@
               </a:lnSpc>
             </a:pPr>
             <a:r>
-              <a:rPr lang="ko-KR" altLang="en-US" b="1" dirty="0" smtClean="0">
-                <a:solidFill>
-                  <a:schemeClr val="tx1"/>
-                </a:solidFill>
-              </a:rPr>
-              <a:t>매개변수</a:t>
+              <a:rPr lang="ko-KR" altLang="en-US" b="1" dirty="0" err="1" smtClean="0">
+                <a:solidFill>
+                  <a:schemeClr val="tx1"/>
+                </a:solidFill>
+              </a:rPr>
+              <a:t>반환값</a:t>
             </a:r>
             <a:endParaRPr lang="en-US" altLang="ko-KR" b="1" dirty="0" smtClean="0">
               <a:solidFill>
@@ -6796,25 +6804,21 @@
                 <a:spcPts val="2500"/>
               </a:lnSpc>
             </a:pPr>
-            <a:endParaRPr lang="en-US" altLang="ko-KR" b="1" dirty="0">
-              <a:solidFill>
-                <a:schemeClr val="tx1"/>
-              </a:solidFill>
-            </a:endParaRPr>
-          </a:p>
-          <a:p>
-            <a:pPr>
-              <a:lnSpc>
-                <a:spcPts val="2500"/>
-              </a:lnSpc>
-            </a:pPr>
             <a:r>
               <a:rPr lang="ko-KR" altLang="en-US" b="1" dirty="0" err="1" smtClean="0">
                 <a:solidFill>
                   <a:schemeClr val="tx1"/>
                 </a:solidFill>
               </a:rPr>
-              <a:t>반환값</a:t>
+              <a:t>메소드</a:t>
+            </a:r>
+            <a:r>
+              <a:rPr lang="ko-KR" altLang="en-US" b="1" dirty="0" smtClean="0">
+                <a:solidFill>
+                  <a:schemeClr val="tx1"/>
+                </a:solidFill>
+              </a:rPr>
+              <a:t> 정보</a:t>
             </a:r>
             <a:endParaRPr lang="ko-KR" altLang="en-US" b="1" dirty="0">
               <a:solidFill>
@@ -6968,7 +6972,7 @@
                   <a:prstClr val="black"/>
                 </a:solidFill>
               </a:rPr>
-              <a:t>▶객체</a:t>
+              <a:t>▶</a:t>
             </a:r>
             <a:r>
               <a:rPr lang="en-US" altLang="ko-KR" sz="1200" b="1" dirty="0" smtClean="0">
@@ -6976,7 +6980,7 @@
                   <a:prstClr val="black"/>
                 </a:solidFill>
               </a:rPr>
-              <a:t>, </a:t>
+              <a:t>new </a:t>
             </a:r>
             <a:r>
               <a:rPr lang="ko-KR" altLang="en-US" sz="1200" b="1" dirty="0" smtClean="0">
@@ -6984,39 +6988,7 @@
                   <a:prstClr val="black"/>
                 </a:solidFill>
               </a:rPr>
-              <a:t>배열</a:t>
-            </a:r>
-            <a:r>
-              <a:rPr lang="en-US" altLang="ko-KR" sz="1200" b="1" dirty="0" smtClean="0">
-                <a:solidFill>
-                  <a:prstClr val="black"/>
-                </a:solidFill>
-              </a:rPr>
-              <a:t>, </a:t>
-            </a:r>
-            <a:r>
-              <a:rPr lang="ko-KR" altLang="en-US" sz="1200" b="1" dirty="0" smtClean="0">
-                <a:solidFill>
-                  <a:prstClr val="black"/>
-                </a:solidFill>
-              </a:rPr>
-              <a:t>문자열</a:t>
-            </a:r>
-            <a:r>
-              <a:rPr lang="en-US" altLang="ko-KR" sz="1200" b="1" dirty="0" smtClean="0">
-                <a:solidFill>
-                  <a:prstClr val="black"/>
-                </a:solidFill>
-              </a:rPr>
-              <a:t> </a:t>
-            </a:r>
-            <a:r>
-              <a:rPr lang="ko-KR" altLang="en-US" sz="1200" b="1" dirty="0" smtClean="0">
-                <a:solidFill>
-                  <a:prstClr val="black"/>
-                </a:solidFill>
-              </a:rPr>
-              <a:t>등</a:t>
+              <a:t>연산자로 생성한 객체</a:t>
             </a:r>
             <a:endParaRPr lang="en-US" altLang="ko-KR" sz="1200" b="1" dirty="0" smtClean="0">
               <a:solidFill>
@@ -7030,9 +7002,29 @@
                 <a:spcPts val="2500"/>
               </a:lnSpc>
             </a:pPr>
-            <a:endParaRPr lang="en-US" altLang="ko-KR" b="1" dirty="0" smtClean="0">
+            <a:endParaRPr lang="en-US" altLang="ko-KR" sz="1200" b="1" dirty="0">
               <a:solidFill>
-                <a:schemeClr val="tx1"/>
+                <a:prstClr val="black"/>
+              </a:solidFill>
+            </a:endParaRPr>
+          </a:p>
+          <a:p>
+            <a:pPr lvl="0">
+              <a:lnSpc>
+                <a:spcPts val="2500"/>
+              </a:lnSpc>
+            </a:pPr>
+            <a:r>
+              <a:rPr lang="ko-KR" altLang="en-US" b="1" dirty="0" smtClean="0">
+                <a:solidFill>
+                  <a:prstClr val="black"/>
+                </a:solidFill>
+              </a:rPr>
+              <a:t>배열</a:t>
+            </a:r>
+            <a:endParaRPr lang="en-US" altLang="ko-KR" sz="1200" b="1" dirty="0" smtClean="0">
+              <a:solidFill>
+                <a:prstClr val="black"/>
               </a:solidFill>
             </a:endParaRPr>
           </a:p>
@@ -7042,66 +7034,6 @@
                 <a:spcPts val="2500"/>
               </a:lnSpc>
             </a:pPr>
-            <a:r>
-              <a:rPr lang="ko-KR" altLang="en-US" b="1" dirty="0" err="1" smtClean="0">
-                <a:solidFill>
-                  <a:schemeClr val="tx1"/>
-                </a:solidFill>
-              </a:rPr>
-              <a:t>인스턴스</a:t>
-            </a:r>
-            <a:r>
-              <a:rPr lang="ko-KR" altLang="en-US" b="1" dirty="0" smtClean="0">
-                <a:solidFill>
-                  <a:schemeClr val="tx1"/>
-                </a:solidFill>
-              </a:rPr>
-              <a:t> 변수</a:t>
-            </a:r>
-            <a:endParaRPr lang="en-US" altLang="ko-KR" b="1" dirty="0" smtClean="0">
-              <a:solidFill>
-                <a:schemeClr val="tx1"/>
-              </a:solidFill>
-            </a:endParaRPr>
-          </a:p>
-          <a:p>
-            <a:pPr>
-              <a:lnSpc>
-                <a:spcPts val="2500"/>
-              </a:lnSpc>
-            </a:pPr>
-            <a:r>
-              <a:rPr lang="ko-KR" altLang="en-US" sz="1200" b="1" dirty="0">
-                <a:solidFill>
-                  <a:prstClr val="black"/>
-                </a:solidFill>
-              </a:rPr>
-              <a:t> </a:t>
-            </a:r>
-            <a:r>
-              <a:rPr lang="ko-KR" altLang="en-US" sz="1200" b="1" dirty="0" smtClean="0">
-                <a:solidFill>
-                  <a:prstClr val="black"/>
-                </a:solidFill>
-              </a:rPr>
-              <a:t>▶</a:t>
-            </a:r>
-            <a:r>
-              <a:rPr lang="en-US" altLang="ko-KR" sz="1200" b="1" dirty="0" smtClean="0">
-                <a:solidFill>
-                  <a:prstClr val="black"/>
-                </a:solidFill>
-              </a:rPr>
-              <a:t>non-static </a:t>
-            </a:r>
-            <a:r>
-              <a:rPr lang="ko-KR" altLang="en-US" sz="1200" b="1" dirty="0" smtClean="0">
-                <a:solidFill>
-                  <a:prstClr val="black"/>
-                </a:solidFill>
-              </a:rPr>
-              <a:t>변수</a:t>
-            </a:r>
             <a:endParaRPr lang="en-US" altLang="ko-KR" b="1" dirty="0" smtClean="0">
               <a:solidFill>
                 <a:schemeClr val="tx1"/>
@@ -7183,7 +7115,7 @@
                   <a:schemeClr val="tx1"/>
                 </a:solidFill>
               </a:rPr>
-              <a:t>/</a:t>
+              <a:t>/Static </a:t>
             </a:r>
             <a:r>
               <a:rPr lang="ko-KR" altLang="en-US" sz="900" b="1" dirty="0" smtClean="0">
@@ -7191,54 +7123,7 @@
                   <a:schemeClr val="tx1"/>
                 </a:solidFill>
               </a:rPr>
-              <a:t>데이터 영역</a:t>
-            </a:r>
-            <a:r>
-              <a:rPr lang="en-US" altLang="ko-KR" sz="900" b="1" dirty="0" smtClean="0">
-                <a:solidFill>
-                  <a:schemeClr val="tx1"/>
-                </a:solidFill>
-              </a:rPr>
-              <a:t>/</a:t>
-            </a:r>
-            <a:br>
-              <a:rPr lang="en-US" altLang="ko-KR" sz="900" b="1" dirty="0" smtClean="0">
-                <a:solidFill>
-                  <a:schemeClr val="tx1"/>
-                </a:solidFill>
-              </a:rPr>
-            </a:br>
-            <a:r>
-              <a:rPr lang="en-US" altLang="ko-KR" sz="900" b="1" dirty="0" smtClean="0">
-                <a:solidFill>
-                  <a:schemeClr val="tx1"/>
-                </a:solidFill>
-              </a:rPr>
-              <a:t>Static </a:t>
-            </a:r>
-            <a:r>
-              <a:rPr lang="ko-KR" altLang="en-US" sz="900" b="1" dirty="0" smtClean="0">
-                <a:solidFill>
-                  <a:schemeClr val="tx1"/>
-                </a:solidFill>
-              </a:rPr>
               <a:t>영역</a:t>
-            </a:r>
-            <a:r>
-              <a:rPr lang="en-US" altLang="ko-KR" sz="900" b="1" dirty="0" smtClean="0">
-                <a:solidFill>
-                  <a:schemeClr val="tx1"/>
-                </a:solidFill>
-              </a:rPr>
-              <a:t>/</a:t>
-            </a:r>
-            <a:r>
-              <a:rPr lang="ko-KR" altLang="en-US" sz="900" b="1" dirty="0" smtClean="0">
-                <a:solidFill>
-                  <a:schemeClr val="tx1"/>
-                </a:solidFill>
-              </a:rPr>
-              <a:t>공유 메모리</a:t>
             </a:r>
             <a:endParaRPr lang="ko-KR" altLang="en-US" sz="900" b="1" dirty="0">
               <a:solidFill>
@@ -7293,7 +7178,35 @@
                   <a:schemeClr val="tx1"/>
                 </a:solidFill>
               </a:rPr>
-              <a:t>클래스 변수</a:t>
+              <a:t>멤버 변수</a:t>
+            </a:r>
+            <a:endParaRPr lang="en-US" altLang="ko-KR" b="1" dirty="0">
+              <a:solidFill>
+                <a:schemeClr val="tx1"/>
+              </a:solidFill>
+            </a:endParaRPr>
+          </a:p>
+          <a:p>
+            <a:pPr>
+              <a:lnSpc>
+                <a:spcPts val="2500"/>
+              </a:lnSpc>
+            </a:pPr>
+            <a:r>
+              <a:rPr lang="ko-KR" altLang="en-US" b="1" dirty="0" smtClean="0">
+                <a:solidFill>
+                  <a:schemeClr val="tx1"/>
+                </a:solidFill>
+              </a:rPr>
+              <a:t>클래스 </a:t>
+            </a:r>
+            <a:r>
+              <a:rPr lang="ko-KR" altLang="en-US" b="1" dirty="0" smtClean="0">
+                <a:solidFill>
+                  <a:schemeClr val="tx1"/>
+                </a:solidFill>
+              </a:rPr>
+              <a:t>변수</a:t>
             </a:r>
             <a:endParaRPr lang="en-US" altLang="ko-KR" b="1" dirty="0" smtClean="0">
               <a:solidFill>
@@ -7302,62 +7215,6 @@
             </a:endParaRPr>
           </a:p>
           <a:p>
-            <a:pPr>
-              <a:lnSpc>
-                <a:spcPts val="2000"/>
-              </a:lnSpc>
-            </a:pPr>
-            <a:r>
-              <a:rPr lang="ko-KR" altLang="en-US" sz="1200" b="1" dirty="0">
-                <a:solidFill>
-                  <a:prstClr val="black"/>
-                </a:solidFill>
-              </a:rPr>
-              <a:t> </a:t>
-            </a:r>
-            <a:r>
-              <a:rPr lang="ko-KR" altLang="en-US" sz="1200" b="1" dirty="0" smtClean="0">
-                <a:solidFill>
-                  <a:prstClr val="black"/>
-                </a:solidFill>
-              </a:rPr>
-              <a:t> ▶</a:t>
-            </a:r>
-            <a:r>
-              <a:rPr lang="en-US" altLang="ko-KR" sz="1200" b="1" dirty="0" smtClean="0">
-                <a:solidFill>
-                  <a:prstClr val="black"/>
-                </a:solidFill>
-              </a:rPr>
-              <a:t>static </a:t>
-            </a:r>
-            <a:r>
-              <a:rPr lang="ko-KR" altLang="en-US" sz="1200" b="1" dirty="0" smtClean="0">
-                <a:solidFill>
-                  <a:prstClr val="black"/>
-                </a:solidFill>
-              </a:rPr>
-              <a:t>변수</a:t>
-            </a:r>
-            <a:endParaRPr lang="en-US" altLang="ko-KR" sz="1200" b="1" dirty="0" smtClean="0">
-              <a:solidFill>
-                <a:prstClr val="black"/>
-              </a:solidFill>
-            </a:endParaRPr>
-          </a:p>
-          <a:p>
-            <a:pPr>
-              <a:lnSpc>
-                <a:spcPts val="1000"/>
-              </a:lnSpc>
-            </a:pPr>
-            <a:endParaRPr lang="en-US" altLang="ko-KR" b="1" dirty="0">
-              <a:solidFill>
-                <a:schemeClr val="tx1"/>
-              </a:solidFill>
-            </a:endParaRPr>
-          </a:p>
-          <a:p>
             <a:pPr lvl="0">
               <a:lnSpc>
                 <a:spcPts val="2000"/>
@@ -7369,7 +7226,15 @@
                   <a:prstClr val="black"/>
                 </a:solidFill>
               </a:rPr>
-              <a:t>상수 풀</a:t>
+              <a:t>상수 </a:t>
+            </a:r>
+            <a:r>
+              <a:rPr lang="ko-KR" altLang="en-US" b="1" dirty="0" smtClean="0">
+                <a:solidFill>
+                  <a:prstClr val="black"/>
+                </a:solidFill>
+              </a:rPr>
+              <a:t>풀</a:t>
             </a:r>
             <a:endParaRPr lang="en-US" altLang="ko-KR" b="1" dirty="0" smtClean="0">
               <a:solidFill>
@@ -7378,78 +7243,18 @@
             </a:endParaRPr>
           </a:p>
           <a:p>
-            <a:pPr lvl="0">
+            <a:pPr>
               <a:lnSpc>
-                <a:spcPts val="2000"/>
+                <a:spcPts val="2500"/>
               </a:lnSpc>
             </a:pPr>
             <a:r>
-              <a:rPr lang="ko-KR" altLang="en-US" sz="1200" b="1" dirty="0" smtClean="0">
-                <a:solidFill>
-                  <a:prstClr val="black"/>
-                </a:solidFill>
-              </a:rPr>
-              <a:t>  ▶ </a:t>
-            </a:r>
-            <a:r>
-              <a:rPr lang="ko-KR" altLang="en-US" sz="1200" b="1" dirty="0" err="1" smtClean="0">
-                <a:solidFill>
-                  <a:prstClr val="black"/>
-                </a:solidFill>
-              </a:rPr>
-              <a:t>리터럴</a:t>
-            </a:r>
-            <a:r>
-              <a:rPr lang="ko-KR" altLang="en-US" sz="1200" b="1" dirty="0" smtClean="0">
-                <a:solidFill>
-                  <a:prstClr val="black"/>
-                </a:solidFill>
-              </a:rPr>
-              <a:t> 상수</a:t>
-            </a:r>
-            <a:endParaRPr lang="en-US" altLang="ko-KR" sz="1200" b="1" dirty="0" smtClean="0">
-              <a:solidFill>
-                <a:prstClr val="black"/>
-              </a:solidFill>
-            </a:endParaRPr>
-          </a:p>
-          <a:p>
-            <a:pPr lvl="0">
-              <a:lnSpc>
-                <a:spcPts val="2000"/>
-              </a:lnSpc>
-            </a:pPr>
-            <a:r>
-              <a:rPr lang="ko-KR" altLang="en-US" sz="1200" b="1" dirty="0" smtClean="0">
-                <a:solidFill>
-                  <a:prstClr val="black"/>
-                </a:solidFill>
-              </a:rPr>
-              <a:t>  </a:t>
-            </a:r>
-            <a:r>
-              <a:rPr lang="ko-KR" altLang="en-US" sz="1200" b="1" dirty="0">
-                <a:solidFill>
-                  <a:prstClr val="black"/>
-                </a:solidFill>
-              </a:rPr>
-              <a:t>▶ </a:t>
-            </a:r>
-            <a:r>
-              <a:rPr lang="en-US" altLang="ko-KR" sz="1200" b="1" dirty="0">
-                <a:solidFill>
-                  <a:prstClr val="black"/>
-                </a:solidFill>
-              </a:rPr>
-              <a:t>final </a:t>
-            </a:r>
-            <a:r>
-              <a:rPr lang="ko-KR" altLang="en-US" sz="1200" b="1" dirty="0">
-                <a:solidFill>
-                  <a:prstClr val="black"/>
-                </a:solidFill>
-              </a:rPr>
-              <a:t>변수</a:t>
+              <a:rPr lang="ko-KR" altLang="en-US" b="1" dirty="0" err="1" smtClean="0">
+                <a:solidFill>
+                  <a:schemeClr val="tx1"/>
+                </a:solidFill>
+              </a:rPr>
+              <a:t>생성자</a:t>
             </a:r>
             <a:endParaRPr lang="en-US" altLang="ko-KR" b="1" dirty="0" smtClean="0">
               <a:solidFill>
@@ -7460,28 +7265,16 @@
           <a:p>
             <a:pPr>
               <a:lnSpc>
-                <a:spcPts val="1000"/>
-              </a:lnSpc>
-            </a:pPr>
-            <a:endParaRPr lang="en-US" altLang="ko-KR" b="1" dirty="0">
-              <a:solidFill>
-                <a:schemeClr val="tx1"/>
-              </a:solidFill>
-            </a:endParaRPr>
-          </a:p>
-          <a:p>
-            <a:pPr>
-              <a:lnSpc>
                 <a:spcPts val="2500"/>
               </a:lnSpc>
             </a:pPr>
             <a:r>
-              <a:rPr lang="ko-KR" altLang="en-US" b="1" dirty="0" smtClean="0">
-                <a:solidFill>
-                  <a:schemeClr val="tx1"/>
-                </a:solidFill>
-              </a:rPr>
-              <a:t>바이트코드</a:t>
+              <a:rPr lang="ko-KR" altLang="en-US" b="1" dirty="0" err="1" smtClean="0">
+                <a:solidFill>
+                  <a:schemeClr val="tx1"/>
+                </a:solidFill>
+              </a:rPr>
+              <a:t>메소드</a:t>
             </a:r>
             <a:endParaRPr lang="en-US" altLang="ko-KR" b="1" dirty="0" smtClean="0">
               <a:solidFill>
@@ -7560,7 +7353,47 @@
                   <a:prstClr val="black"/>
                 </a:solidFill>
               </a:rPr>
-              <a:t>매개변수가 저장된다</a:t>
+              <a:t>매개변수</a:t>
+            </a:r>
+            <a:r>
+              <a:rPr lang="en-US" altLang="ko-KR" sz="1100" b="1" dirty="0" smtClean="0">
+                <a:solidFill>
+                  <a:prstClr val="black"/>
+                </a:solidFill>
+              </a:rPr>
+              <a:t>, </a:t>
+            </a:r>
+            <a:r>
+              <a:rPr lang="ko-KR" altLang="en-US" sz="1100" b="1" dirty="0" err="1" smtClean="0">
+                <a:solidFill>
+                  <a:prstClr val="black"/>
+                </a:solidFill>
+              </a:rPr>
+              <a:t>반환값</a:t>
+            </a:r>
+            <a:r>
+              <a:rPr lang="en-US" altLang="ko-KR" sz="1100" b="1" dirty="0" smtClean="0">
+                <a:solidFill>
+                  <a:prstClr val="black"/>
+                </a:solidFill>
+              </a:rPr>
+              <a:t>, </a:t>
+            </a:r>
+            <a:r>
+              <a:rPr lang="ko-KR" altLang="en-US" sz="1100" b="1" dirty="0" smtClean="0">
+                <a:solidFill>
+                  <a:prstClr val="black"/>
+                </a:solidFill>
+              </a:rPr>
+              <a:t>연산 중 발생하는 임시 데이터 등이 </a:t>
+            </a:r>
+            <a:r>
+              <a:rPr lang="ko-KR" altLang="en-US" sz="1100" b="1" dirty="0" smtClean="0">
+                <a:solidFill>
+                  <a:prstClr val="black"/>
+                </a:solidFill>
+              </a:rPr>
+              <a:t>저장된다</a:t>
             </a:r>
             <a:r>
               <a:rPr lang="en-US" altLang="ko-KR" sz="1100" b="1" dirty="0" smtClean="0">
@@ -7600,7 +7433,7 @@
             </a:endParaRPr>
           </a:p>
           <a:p>
-            <a:pPr marL="188913" indent="-14288">
+            <a:pPr marL="352425" indent="-177800">
               <a:lnSpc>
                 <a:spcPts val="2200"/>
               </a:lnSpc>
@@ -7786,7 +7619,15 @@
                   <a:schemeClr val="tx1"/>
                 </a:solidFill>
               </a:rPr>
-              <a:t>가 저장된다</a:t>
+              <a:t>가 </a:t>
+            </a:r>
+            <a:r>
+              <a:rPr lang="ko-KR" altLang="en-US" sz="1100" b="1" dirty="0" smtClean="0">
+                <a:solidFill>
+                  <a:schemeClr val="tx1"/>
+                </a:solidFill>
+              </a:rPr>
+              <a:t>저장된다</a:t>
             </a:r>
             <a:r>
               <a:rPr lang="en-US" altLang="ko-KR" sz="1100" b="1" dirty="0" smtClean="0">
@@ -7798,7 +7639,7 @@
             </a:r>
           </a:p>
           <a:p>
-            <a:pPr marL="188913" indent="-188913">
+            <a:pPr marL="368300" indent="-368300">
               <a:lnSpc>
                 <a:spcPts val="2200"/>
               </a:lnSpc>
@@ -7806,18 +7647,42 @@
             <a:r>
               <a:rPr lang="ko-KR" altLang="en-US" sz="1100" b="1" dirty="0" smtClean="0">
                 <a:solidFill>
-                  <a:schemeClr val="tx1"/>
-                </a:solidFill>
-              </a:rPr>
-              <a:t>◎ </a:t>
+                  <a:prstClr val="black"/>
+                </a:solidFill>
+              </a:rPr>
+              <a:t>    ☞ </a:t>
+            </a:r>
+            <a:r>
+              <a:rPr lang="en-US" altLang="ko-KR" sz="1100" b="1" dirty="0" smtClean="0">
+                <a:solidFill>
+                  <a:prstClr val="black"/>
+                </a:solidFill>
+              </a:rPr>
+              <a:t>new </a:t>
+            </a:r>
+            <a:r>
+              <a:rPr lang="ko-KR" altLang="en-US" sz="1100" b="1" dirty="0" smtClean="0">
+                <a:solidFill>
+                  <a:prstClr val="black"/>
+                </a:solidFill>
+              </a:rPr>
+              <a:t>연산자를 사용할 때마다 </a:t>
             </a:r>
             <a:r>
               <a:rPr lang="ko-KR" altLang="en-US" sz="1100" b="1" dirty="0" err="1" smtClean="0">
                 <a:solidFill>
-                  <a:schemeClr val="tx1"/>
-                </a:solidFill>
-              </a:rPr>
-              <a:t>인스턴스</a:t>
+                  <a:prstClr val="black"/>
+                </a:solidFill>
+              </a:rPr>
+              <a:t>인</a:t>
+            </a:r>
+            <a:r>
+              <a:rPr lang="ko-KR" altLang="en-US" sz="1100" b="1" dirty="0" err="1" smtClean="0">
+                <a:solidFill>
+                  <a:schemeClr val="tx1"/>
+                </a:solidFill>
+              </a:rPr>
+              <a:t>스턴스가</a:t>
             </a:r>
             <a:r>
               <a:rPr lang="ko-KR" altLang="en-US" sz="1100" b="1" dirty="0" smtClean="0">
@@ -7825,166 +7690,70 @@
                   <a:schemeClr val="tx1"/>
                 </a:solidFill>
               </a:rPr>
-              <a:t> 변수</a:t>
-            </a:r>
-            <a:endParaRPr lang="en-US" altLang="ko-KR" sz="1100" b="1" dirty="0" smtClean="0">
-              <a:solidFill>
-                <a:schemeClr val="tx1"/>
-              </a:solidFill>
-            </a:endParaRPr>
-          </a:p>
-          <a:p>
-            <a:pPr marL="188913" indent="-188913">
+              <a:t> 신규로 생성된다</a:t>
+            </a:r>
+            <a:r>
+              <a:rPr lang="en-US" altLang="ko-KR" sz="1100" b="1" dirty="0" smtClean="0">
+                <a:solidFill>
+                  <a:schemeClr val="tx1"/>
+                </a:solidFill>
+              </a:rPr>
+              <a:t>.</a:t>
+            </a:r>
+          </a:p>
+          <a:p>
+            <a:pPr marL="368300" indent="-368300">
               <a:lnSpc>
                 <a:spcPts val="2200"/>
               </a:lnSpc>
             </a:pPr>
             <a:r>
+              <a:rPr lang="en-US" altLang="ko-KR" sz="1100" b="1" dirty="0" smtClean="0">
+                <a:solidFill>
+                  <a:schemeClr val="tx1"/>
+                </a:solidFill>
+              </a:rPr>
+              <a:t>   </a:t>
+            </a:r>
+            <a:r>
               <a:rPr lang="ko-KR" altLang="en-US" sz="1100" b="1" dirty="0" smtClean="0">
                 <a:solidFill>
                   <a:prstClr val="black"/>
                 </a:solidFill>
               </a:rPr>
-              <a:t>    ☞ </a:t>
+              <a:t> </a:t>
+            </a:r>
+            <a:r>
+              <a:rPr lang="ko-KR" altLang="en-US" sz="1100" b="1" dirty="0">
+                <a:solidFill>
+                  <a:prstClr val="black"/>
+                </a:solidFill>
+              </a:rPr>
+              <a:t>☞ 객체의 모든 참조가 사라지면 </a:t>
             </a:r>
             <a:r>
               <a:rPr lang="ko-KR" altLang="en-US" sz="1100" b="1" dirty="0" err="1" smtClean="0">
                 <a:solidFill>
-                  <a:schemeClr val="tx1"/>
-                </a:solidFill>
-              </a:rPr>
-              <a:t>인스턴스가</a:t>
+                  <a:prstClr val="black"/>
+                </a:solidFill>
+              </a:rPr>
+              <a:t>인스턴스도</a:t>
             </a:r>
             <a:r>
               <a:rPr lang="ko-KR" altLang="en-US" sz="1100" b="1" dirty="0" smtClean="0">
                 <a:solidFill>
-                  <a:schemeClr val="tx1"/>
-                </a:solidFill>
-              </a:rPr>
-              <a:t> 생성될 때 만들어지는 멤버변수로</a:t>
-            </a:r>
-            <a:r>
-              <a:rPr lang="en-US" altLang="ko-KR" sz="1100" b="1" dirty="0" smtClean="0">
-                <a:solidFill>
-                  <a:schemeClr val="tx1"/>
-                </a:solidFill>
-              </a:rPr>
-              <a:t>, non-static</a:t>
-            </a:r>
-            <a:r>
-              <a:rPr lang="ko-KR" altLang="en-US" sz="1100" b="1" dirty="0" smtClean="0">
-                <a:solidFill>
-                  <a:schemeClr val="tx1"/>
-                </a:solidFill>
-              </a:rPr>
-              <a:t>이다</a:t>
-            </a:r>
-            <a:r>
-              <a:rPr lang="en-US" altLang="ko-KR" sz="1100" b="1" dirty="0" smtClean="0">
-                <a:solidFill>
-                  <a:schemeClr val="tx1"/>
-                </a:solidFill>
-              </a:rPr>
-              <a:t>.</a:t>
-            </a:r>
-            <a:r>
-              <a:rPr lang="en-US" altLang="ko-KR" sz="1100" b="1" dirty="0">
-                <a:solidFill>
-                  <a:schemeClr val="tx1"/>
+                  <a:prstClr val="black"/>
                 </a:solidFill>
               </a:rPr>
               <a:t> </a:t>
             </a:r>
-            <a:endParaRPr lang="en-US" altLang="ko-KR" sz="1100" b="1" dirty="0" smtClean="0">
-              <a:solidFill>
-                <a:schemeClr val="tx1"/>
-              </a:solidFill>
-            </a:endParaRPr>
-          </a:p>
-          <a:p>
-            <a:pPr marL="188913" indent="-188913">
-              <a:lnSpc>
-                <a:spcPts val="2200"/>
-              </a:lnSpc>
-            </a:pPr>
-            <a:r>
-              <a:rPr lang="ko-KR" altLang="en-US" sz="1100" b="1" dirty="0" smtClean="0">
+            <a:r>
+              <a:rPr lang="ko-KR" altLang="en-US" sz="1100" b="1" dirty="0">
                 <a:solidFill>
                   <a:prstClr val="black"/>
                 </a:solidFill>
               </a:rPr>
-              <a:t>    </a:t>
-            </a:r>
-            <a:r>
-              <a:rPr lang="ko-KR" altLang="en-US" sz="1100" b="1" dirty="0">
-                <a:solidFill>
-                  <a:prstClr val="black"/>
-                </a:solidFill>
-              </a:rPr>
-              <a:t>☞ </a:t>
-            </a:r>
-            <a:r>
-              <a:rPr lang="ko-KR" altLang="en-US" sz="1100" b="1" dirty="0" err="1" smtClean="0">
-                <a:solidFill>
-                  <a:prstClr val="black"/>
-                </a:solidFill>
-              </a:rPr>
-              <a:t>인</a:t>
-            </a:r>
-            <a:r>
-              <a:rPr lang="ko-KR" altLang="en-US" sz="1100" b="1" dirty="0" err="1" smtClean="0">
-                <a:solidFill>
-                  <a:schemeClr val="tx1"/>
-                </a:solidFill>
-              </a:rPr>
-              <a:t>스턴스가</a:t>
-            </a:r>
-            <a:r>
-              <a:rPr lang="ko-KR" altLang="en-US" sz="1100" b="1" dirty="0" smtClean="0">
-                <a:solidFill>
-                  <a:schemeClr val="tx1"/>
-                </a:solidFill>
-              </a:rPr>
-              <a:t> 생성될 때마다 다른 공간에 별도로 할당된다</a:t>
-            </a:r>
-            <a:r>
-              <a:rPr lang="en-US" altLang="ko-KR" sz="1100" b="1" dirty="0" smtClean="0">
-                <a:solidFill>
-                  <a:schemeClr val="tx1"/>
-                </a:solidFill>
-              </a:rPr>
-              <a:t>.</a:t>
-            </a:r>
-          </a:p>
-          <a:p>
-            <a:pPr marL="188913" indent="-188913">
-              <a:lnSpc>
-                <a:spcPts val="2200"/>
-              </a:lnSpc>
-            </a:pPr>
-            <a:r>
-              <a:rPr lang="ko-KR" altLang="en-US" sz="1100" b="1" dirty="0" smtClean="0">
-                <a:solidFill>
-                  <a:prstClr val="black"/>
-                </a:solidFill>
-              </a:rPr>
-              <a:t>    ☞ 객체의 모든 참조가 사라지면 </a:t>
-            </a:r>
-            <a:r>
-              <a:rPr lang="ko-KR" altLang="en-US" sz="1100" b="1" dirty="0" err="1" smtClean="0">
-                <a:solidFill>
-                  <a:prstClr val="black"/>
-                </a:solidFill>
-              </a:rPr>
-              <a:t>인스턴스</a:t>
-            </a:r>
-            <a:r>
-              <a:rPr lang="ko-KR" altLang="en-US" sz="1100" b="1" dirty="0" smtClean="0">
-                <a:solidFill>
-                  <a:prstClr val="black"/>
-                </a:solidFill>
-              </a:rPr>
-              <a:t> 변수도 소멸된다</a:t>
+              <a:t>소멸된다</a:t>
             </a:r>
             <a:r>
               <a:rPr lang="en-US" altLang="ko-KR" sz="1100" b="1" dirty="0" smtClean="0">
@@ -8056,7 +7825,7 @@
             </a:endParaRPr>
           </a:p>
           <a:p>
-            <a:pPr marL="188913" indent="-188913">
+            <a:pPr marL="385763" indent="-385763">
               <a:lnSpc>
                 <a:spcPts val="2200"/>
               </a:lnSpc>
@@ -8111,18 +7880,18 @@
             </a:r>
           </a:p>
           <a:p>
-            <a:pPr marL="188913" indent="-188913">
+            <a:pPr marL="385763" indent="-385763">
               <a:lnSpc>
                 <a:spcPts val="2200"/>
               </a:lnSpc>
             </a:pPr>
             <a:r>
-              <a:rPr lang="ko-KR" altLang="en-US" sz="1100" b="1" dirty="0">
+              <a:rPr lang="ko-KR" altLang="en-US" sz="1100" b="1" dirty="0" smtClean="0">
                 <a:solidFill>
                   <a:prstClr val="black"/>
                 </a:solidFill>
               </a:rPr>
-              <a:t> </a:t>
+              <a:t>    </a:t>
             </a:r>
             <a:r>
               <a:rPr lang="ko-KR" altLang="en-US" sz="1100" b="1" dirty="0" smtClean="0">
@@ -8130,7 +7899,7 @@
                   <a:prstClr val="black"/>
                 </a:solidFill>
               </a:rPr>
-              <a:t>   ☞ 모든 </a:t>
+              <a:t>☞ 모든 </a:t>
             </a:r>
             <a:r>
               <a:rPr lang="ko-KR" altLang="en-US" sz="1100" b="1" dirty="0" err="1" smtClean="0">
@@ -8156,25 +7925,20 @@
               </a:rPr>
               <a:t>.</a:t>
             </a:r>
-            <a:endParaRPr lang="en-US" altLang="ko-KR" sz="1100" b="1" dirty="0" smtClean="0">
-              <a:solidFill>
-                <a:schemeClr val="tx1"/>
-              </a:solidFill>
-            </a:endParaRPr>
-          </a:p>
-          <a:p>
-            <a:pPr marL="188913" indent="-188913">
+          </a:p>
+          <a:p>
+            <a:pPr marL="385763" indent="-385763">
               <a:lnSpc>
                 <a:spcPts val="2200"/>
               </a:lnSpc>
             </a:pPr>
             <a:r>
-              <a:rPr lang="ko-KR" altLang="en-US" sz="1100" b="1" dirty="0">
+              <a:rPr lang="ko-KR" altLang="en-US" sz="1100" b="1" dirty="0" smtClean="0">
                 <a:solidFill>
                   <a:prstClr val="black"/>
                 </a:solidFill>
               </a:rPr>
-              <a:t> </a:t>
+              <a:t>    </a:t>
             </a:r>
             <a:r>
               <a:rPr lang="ko-KR" altLang="en-US" sz="1100" b="1" dirty="0" smtClean="0">
@@ -8182,7 +7946,7 @@
                   <a:prstClr val="black"/>
                 </a:solidFill>
               </a:rPr>
-              <a:t>   ☞ </a:t>
+              <a:t>☞ </a:t>
             </a:r>
             <a:r>
               <a:rPr lang="ko-KR" altLang="en-US" sz="1100" b="1" dirty="0" smtClean="0">
